--- a/images/power_supply_circuit.pptx
+++ b/images/power_supply_circuit.pptx
@@ -243,7 +243,7 @@
           <a:p>
             <a:fld id="{BA6BE738-454E-45E8-B6A8-922B3CDD9B64}" type="datetimeFigureOut">
               <a:rPr kumimoji="1" lang="ja-JP" altLang="en-US" smtClean="0"/>
-              <a:t>2022/1/19</a:t>
+              <a:t>2022/12/5</a:t>
             </a:fld>
             <a:endParaRPr kumimoji="1" lang="ja-JP" altLang="en-US"/>
           </a:p>
@@ -445,7 +445,7 @@
           <a:p>
             <a:fld id="{BA6BE738-454E-45E8-B6A8-922B3CDD9B64}" type="datetimeFigureOut">
               <a:rPr kumimoji="1" lang="ja-JP" altLang="en-US" smtClean="0"/>
-              <a:t>2022/1/19</a:t>
+              <a:t>2022/12/5</a:t>
             </a:fld>
             <a:endParaRPr kumimoji="1" lang="ja-JP" altLang="en-US"/>
           </a:p>
@@ -657,7 +657,7 @@
           <a:p>
             <a:fld id="{BA6BE738-454E-45E8-B6A8-922B3CDD9B64}" type="datetimeFigureOut">
               <a:rPr kumimoji="1" lang="ja-JP" altLang="en-US" smtClean="0"/>
-              <a:t>2022/1/19</a:t>
+              <a:t>2022/12/5</a:t>
             </a:fld>
             <a:endParaRPr kumimoji="1" lang="ja-JP" altLang="en-US"/>
           </a:p>
@@ -859,7 +859,7 @@
           <a:p>
             <a:fld id="{BA6BE738-454E-45E8-B6A8-922B3CDD9B64}" type="datetimeFigureOut">
               <a:rPr kumimoji="1" lang="ja-JP" altLang="en-US" smtClean="0"/>
-              <a:t>2022/1/19</a:t>
+              <a:t>2022/12/5</a:t>
             </a:fld>
             <a:endParaRPr kumimoji="1" lang="ja-JP" altLang="en-US"/>
           </a:p>
@@ -1103,7 +1103,7 @@
           <a:p>
             <a:fld id="{BA6BE738-454E-45E8-B6A8-922B3CDD9B64}" type="datetimeFigureOut">
               <a:rPr kumimoji="1" lang="ja-JP" altLang="en-US" smtClean="0"/>
-              <a:t>2022/1/19</a:t>
+              <a:t>2022/12/5</a:t>
             </a:fld>
             <a:endParaRPr kumimoji="1" lang="ja-JP" altLang="en-US"/>
           </a:p>
@@ -1399,7 +1399,7 @@
           <a:p>
             <a:fld id="{BA6BE738-454E-45E8-B6A8-922B3CDD9B64}" type="datetimeFigureOut">
               <a:rPr kumimoji="1" lang="ja-JP" altLang="en-US" smtClean="0"/>
-              <a:t>2022/1/19</a:t>
+              <a:t>2022/12/5</a:t>
             </a:fld>
             <a:endParaRPr kumimoji="1" lang="ja-JP" altLang="en-US"/>
           </a:p>
@@ -1830,7 +1830,7 @@
           <a:p>
             <a:fld id="{BA6BE738-454E-45E8-B6A8-922B3CDD9B64}" type="datetimeFigureOut">
               <a:rPr kumimoji="1" lang="ja-JP" altLang="en-US" smtClean="0"/>
-              <a:t>2022/1/19</a:t>
+              <a:t>2022/12/5</a:t>
             </a:fld>
             <a:endParaRPr kumimoji="1" lang="ja-JP" altLang="en-US"/>
           </a:p>
@@ -1948,7 +1948,7 @@
           <a:p>
             <a:fld id="{BA6BE738-454E-45E8-B6A8-922B3CDD9B64}" type="datetimeFigureOut">
               <a:rPr kumimoji="1" lang="ja-JP" altLang="en-US" smtClean="0"/>
-              <a:t>2022/1/19</a:t>
+              <a:t>2022/12/5</a:t>
             </a:fld>
             <a:endParaRPr kumimoji="1" lang="ja-JP" altLang="en-US"/>
           </a:p>
@@ -2043,7 +2043,7 @@
           <a:p>
             <a:fld id="{BA6BE738-454E-45E8-B6A8-922B3CDD9B64}" type="datetimeFigureOut">
               <a:rPr kumimoji="1" lang="ja-JP" altLang="en-US" smtClean="0"/>
-              <a:t>2022/1/19</a:t>
+              <a:t>2022/12/5</a:t>
             </a:fld>
             <a:endParaRPr kumimoji="1" lang="ja-JP" altLang="en-US"/>
           </a:p>
@@ -2352,7 +2352,7 @@
           <a:p>
             <a:fld id="{BA6BE738-454E-45E8-B6A8-922B3CDD9B64}" type="datetimeFigureOut">
               <a:rPr kumimoji="1" lang="ja-JP" altLang="en-US" smtClean="0"/>
-              <a:t>2022/1/19</a:t>
+              <a:t>2022/12/5</a:t>
             </a:fld>
             <a:endParaRPr kumimoji="1" lang="ja-JP" altLang="en-US"/>
           </a:p>
@@ -2609,7 +2609,7 @@
           <a:p>
             <a:fld id="{BA6BE738-454E-45E8-B6A8-922B3CDD9B64}" type="datetimeFigureOut">
               <a:rPr kumimoji="1" lang="ja-JP" altLang="en-US" smtClean="0"/>
-              <a:t>2022/1/19</a:t>
+              <a:t>2022/12/5</a:t>
             </a:fld>
             <a:endParaRPr kumimoji="1" lang="ja-JP" altLang="en-US"/>
           </a:p>
@@ -2854,7 +2854,7 @@
           <a:p>
             <a:fld id="{BA6BE738-454E-45E8-B6A8-922B3CDD9B64}" type="datetimeFigureOut">
               <a:rPr kumimoji="1" lang="ja-JP" altLang="en-US" smtClean="0"/>
-              <a:t>2022/1/19</a:t>
+              <a:t>2022/12/5</a:t>
             </a:fld>
             <a:endParaRPr kumimoji="1" lang="ja-JP" altLang="en-US"/>
           </a:p>
@@ -3259,6 +3259,50 @@
           <a:chExt cx="0" cy="0"/>
         </a:xfrm>
       </p:grpSpPr>
+      <p:cxnSp>
+        <p:nvCxnSpPr>
+          <p:cNvPr id="268" name="直線コネクタ 267">
+            <a:extLst>
+              <a:ext uri="{FF2B5EF4-FFF2-40B4-BE49-F238E27FC236}">
+                <a16:creationId xmlns:a16="http://schemas.microsoft.com/office/drawing/2014/main" id="{F90F2DC9-DBCD-47F3-9298-B5E3062BF4A5}"/>
+              </a:ext>
+            </a:extLst>
+          </p:cNvPr>
+          <p:cNvCxnSpPr>
+            <a:cxnSpLocks/>
+          </p:cNvCxnSpPr>
+          <p:nvPr/>
+        </p:nvCxnSpPr>
+        <p:spPr>
+          <a:xfrm>
+            <a:off x="8315744" y="3698400"/>
+            <a:ext cx="0" cy="4913149"/>
+          </a:xfrm>
+          <a:prstGeom prst="line">
+            <a:avLst/>
+          </a:prstGeom>
+          <a:ln w="19050">
+            <a:solidFill>
+              <a:schemeClr val="tx1"/>
+            </a:solidFill>
+            <a:headEnd type="diamond"/>
+          </a:ln>
+        </p:spPr>
+        <p:style>
+          <a:lnRef idx="1">
+            <a:schemeClr val="accent1"/>
+          </a:lnRef>
+          <a:fillRef idx="0">
+            <a:schemeClr val="accent1"/>
+          </a:fillRef>
+          <a:effectRef idx="0">
+            <a:schemeClr val="accent1"/>
+          </a:effectRef>
+          <a:fontRef idx="minor">
+            <a:schemeClr val="tx1"/>
+          </a:fontRef>
+        </p:style>
+      </p:cxnSp>
       <p:sp>
         <p:nvSpPr>
           <p:cNvPr id="84" name="矢印: 五方向 83">
@@ -3788,7 +3832,7 @@
         </p:nvSpPr>
         <p:spPr>
           <a:xfrm rot="5400000">
-            <a:off x="4289674" y="587946"/>
+            <a:off x="4541134" y="587946"/>
             <a:ext cx="274320" cy="265998"/>
           </a:xfrm>
           <a:prstGeom prst="triangle">
@@ -3844,7 +3888,7 @@
         </p:nvCxnSpPr>
         <p:spPr>
           <a:xfrm>
-            <a:off x="4554864" y="570718"/>
+            <a:off x="4806324" y="570718"/>
             <a:ext cx="0" cy="300455"/>
           </a:xfrm>
           <a:prstGeom prst="line">
@@ -3888,7 +3932,7 @@
         <p:spPr>
           <a:xfrm>
             <a:off x="3886011" y="1668398"/>
-            <a:ext cx="802224" cy="0"/>
+            <a:ext cx="1056065" cy="0"/>
           </a:xfrm>
           <a:prstGeom prst="line">
             <a:avLst/>
@@ -3928,7 +3972,7 @@
         </p:nvSpPr>
         <p:spPr>
           <a:xfrm rot="5400000">
-            <a:off x="4289674" y="1535399"/>
+            <a:off x="4541134" y="1535399"/>
             <a:ext cx="274320" cy="265998"/>
           </a:xfrm>
           <a:prstGeom prst="triangle">
@@ -3984,7 +4028,7 @@
         </p:nvCxnSpPr>
         <p:spPr>
           <a:xfrm>
-            <a:off x="4554864" y="1518171"/>
+            <a:off x="4806324" y="1518171"/>
             <a:ext cx="0" cy="300455"/>
           </a:xfrm>
           <a:prstGeom prst="line">
@@ -4027,7 +4071,7 @@
         </p:nvCxnSpPr>
         <p:spPr>
           <a:xfrm flipH="1">
-            <a:off x="4893690" y="3368040"/>
+            <a:off x="5152770" y="3573780"/>
             <a:ext cx="550226" cy="0"/>
           </a:xfrm>
           <a:prstGeom prst="line">
@@ -4070,7 +4114,7 @@
         </p:nvCxnSpPr>
         <p:spPr>
           <a:xfrm>
-            <a:off x="4690616" y="720945"/>
+            <a:off x="4942076" y="720945"/>
             <a:ext cx="0" cy="947453"/>
           </a:xfrm>
           <a:prstGeom prst="line">
@@ -4112,7 +4156,7 @@
         </p:nvSpPr>
         <p:spPr>
           <a:xfrm>
-            <a:off x="4565356" y="476849"/>
+            <a:off x="5109221" y="507605"/>
             <a:ext cx="1073315" cy="230832"/>
           </a:xfrm>
           <a:prstGeom prst="rect">
@@ -4156,8 +4200,8 @@
         </p:nvCxnSpPr>
         <p:spPr>
           <a:xfrm flipV="1">
-            <a:off x="4899657" y="720945"/>
-            <a:ext cx="0" cy="2647096"/>
+            <a:off x="5158737" y="720945"/>
+            <a:ext cx="0" cy="2860691"/>
           </a:xfrm>
           <a:prstGeom prst="line">
             <a:avLst/>
@@ -4199,7 +4243,7 @@
         </p:nvSpPr>
         <p:spPr>
           <a:xfrm>
-            <a:off x="5447733" y="2281178"/>
+            <a:off x="5706813" y="2486918"/>
             <a:ext cx="903767" cy="497323"/>
           </a:xfrm>
           <a:prstGeom prst="rect">
@@ -4317,7 +4361,7 @@
         </p:nvCxnSpPr>
         <p:spPr>
           <a:xfrm>
-            <a:off x="4893690" y="1439509"/>
+            <a:off x="5152770" y="1645249"/>
             <a:ext cx="550226" cy="0"/>
           </a:xfrm>
           <a:prstGeom prst="line">
@@ -4359,7 +4403,7 @@
         </p:nvSpPr>
         <p:spPr>
           <a:xfrm>
-            <a:off x="5447732" y="1320387"/>
+            <a:off x="5706812" y="1526127"/>
             <a:ext cx="903767" cy="497323"/>
           </a:xfrm>
           <a:prstGeom prst="rect">
@@ -4477,7 +4521,7 @@
         </p:nvCxnSpPr>
         <p:spPr>
           <a:xfrm>
-            <a:off x="4893690" y="2396830"/>
+            <a:off x="5152770" y="2602570"/>
             <a:ext cx="550226" cy="0"/>
           </a:xfrm>
           <a:prstGeom prst="line">
@@ -4519,7 +4563,7 @@
         </p:nvSpPr>
         <p:spPr>
           <a:xfrm>
-            <a:off x="5443916" y="3242651"/>
+            <a:off x="5702996" y="3448391"/>
             <a:ext cx="492199" cy="497323"/>
           </a:xfrm>
           <a:prstGeom prst="rect">
@@ -4608,7 +4652,7 @@
         </p:nvSpPr>
         <p:spPr>
           <a:xfrm>
-            <a:off x="5931471" y="3242651"/>
+            <a:off x="6190551" y="3448391"/>
             <a:ext cx="746150" cy="497323"/>
           </a:xfrm>
           <a:prstGeom prst="rect">
@@ -4706,8 +4750,8 @@
         </p:nvCxnSpPr>
         <p:spPr>
           <a:xfrm>
-            <a:off x="6351499" y="2514182"/>
-            <a:ext cx="1658634" cy="0"/>
+            <a:off x="6534379" y="2719922"/>
+            <a:ext cx="1468901" cy="0"/>
           </a:xfrm>
           <a:prstGeom prst="line">
             <a:avLst/>
@@ -4749,8 +4793,8 @@
         </p:nvCxnSpPr>
         <p:spPr>
           <a:xfrm>
-            <a:off x="6351499" y="1569048"/>
-            <a:ext cx="1383855" cy="0"/>
+            <a:off x="6534379" y="1774788"/>
+            <a:ext cx="1200975" cy="0"/>
           </a:xfrm>
           <a:prstGeom prst="line">
             <a:avLst/>
@@ -4792,7 +4836,7 @@
         </p:nvCxnSpPr>
         <p:spPr>
           <a:xfrm>
-            <a:off x="6626748" y="1570187"/>
+            <a:off x="6885828" y="1775927"/>
             <a:ext cx="0" cy="433201"/>
           </a:xfrm>
           <a:prstGeom prst="line">
@@ -4836,7 +4880,7 @@
         </p:nvCxnSpPr>
         <p:spPr>
           <a:xfrm>
-            <a:off x="5219836" y="2003388"/>
+            <a:off x="5478916" y="2209128"/>
             <a:ext cx="1406912" cy="0"/>
           </a:xfrm>
           <a:prstGeom prst="line">
@@ -4879,7 +4923,7 @@
         </p:nvCxnSpPr>
         <p:spPr>
           <a:xfrm flipV="1">
-            <a:off x="5222626" y="2003390"/>
+            <a:off x="5481706" y="2209130"/>
             <a:ext cx="0" cy="655990"/>
           </a:xfrm>
           <a:prstGeom prst="line">
@@ -4922,7 +4966,7 @@
         </p:nvCxnSpPr>
         <p:spPr>
           <a:xfrm flipH="1">
-            <a:off x="5219836" y="2651760"/>
+            <a:off x="5478916" y="2857500"/>
             <a:ext cx="224080" cy="0"/>
           </a:xfrm>
           <a:prstGeom prst="line">
@@ -4963,7 +5007,7 @@
         </p:nvSpPr>
         <p:spPr>
           <a:xfrm>
-            <a:off x="5042961" y="2678502"/>
+            <a:off x="5302041" y="2884242"/>
             <a:ext cx="375795" cy="138492"/>
           </a:xfrm>
           <a:prstGeom prst="rect">
@@ -5007,7 +5051,7 @@
         </p:nvCxnSpPr>
         <p:spPr>
           <a:xfrm>
-            <a:off x="6626748" y="2510938"/>
+            <a:off x="6885828" y="2716678"/>
             <a:ext cx="0" cy="433201"/>
           </a:xfrm>
           <a:prstGeom prst="line">
@@ -5051,7 +5095,7 @@
         </p:nvCxnSpPr>
         <p:spPr>
           <a:xfrm>
-            <a:off x="5219836" y="2944139"/>
+            <a:off x="5478916" y="3149879"/>
             <a:ext cx="1406912" cy="0"/>
           </a:xfrm>
           <a:prstGeom prst="line">
@@ -5094,7 +5138,7 @@
         </p:nvCxnSpPr>
         <p:spPr>
           <a:xfrm flipV="1">
-            <a:off x="5222626" y="2944141"/>
+            <a:off x="5481706" y="3149881"/>
             <a:ext cx="0" cy="655990"/>
           </a:xfrm>
           <a:prstGeom prst="line">
@@ -5137,7 +5181,7 @@
         </p:nvCxnSpPr>
         <p:spPr>
           <a:xfrm flipH="1">
-            <a:off x="5219836" y="3596249"/>
+            <a:off x="5478916" y="3801989"/>
             <a:ext cx="224080" cy="0"/>
           </a:xfrm>
           <a:prstGeom prst="line">
@@ -5178,7 +5222,7 @@
         </p:nvSpPr>
         <p:spPr>
           <a:xfrm>
-            <a:off x="5042961" y="3622991"/>
+            <a:off x="5302041" y="3828731"/>
             <a:ext cx="375795" cy="138492"/>
           </a:xfrm>
           <a:prstGeom prst="rect">
@@ -5220,7 +5264,7 @@
         </p:nvSpPr>
         <p:spPr>
           <a:xfrm>
-            <a:off x="6677875" y="1324093"/>
+            <a:off x="6860755" y="1529833"/>
             <a:ext cx="767002" cy="230832"/>
           </a:xfrm>
           <a:prstGeom prst="rect">
@@ -5262,7 +5306,7 @@
         </p:nvSpPr>
         <p:spPr>
           <a:xfrm>
-            <a:off x="6677875" y="2274862"/>
+            <a:off x="6860755" y="2480602"/>
             <a:ext cx="767002" cy="230832"/>
           </a:xfrm>
           <a:prstGeom prst="rect">
@@ -5306,8 +5350,8 @@
         </p:nvCxnSpPr>
         <p:spPr>
           <a:xfrm>
-            <a:off x="6683574" y="3491312"/>
-            <a:ext cx="1634344" cy="0"/>
+            <a:off x="6936701" y="3697052"/>
+            <a:ext cx="1785283" cy="0"/>
           </a:xfrm>
           <a:prstGeom prst="line">
             <a:avLst/>
@@ -5347,7 +5391,7 @@
         </p:nvSpPr>
         <p:spPr>
           <a:xfrm>
-            <a:off x="6677875" y="3260480"/>
+            <a:off x="6860755" y="3466220"/>
             <a:ext cx="767002" cy="230832"/>
           </a:xfrm>
           <a:prstGeom prst="rect">
@@ -6037,7 +6081,7 @@
         </p:nvSpPr>
         <p:spPr>
           <a:xfrm>
-            <a:off x="7082528" y="1739512"/>
+            <a:off x="7265408" y="1945252"/>
             <a:ext cx="400448" cy="239016"/>
           </a:xfrm>
           <a:prstGeom prst="roundRect">
@@ -6115,7 +6159,7 @@
         </p:nvCxnSpPr>
         <p:spPr>
           <a:xfrm>
-            <a:off x="7111938" y="1573157"/>
+            <a:off x="7294818" y="1778897"/>
             <a:ext cx="58309" cy="165862"/>
           </a:xfrm>
           <a:prstGeom prst="line">
@@ -6160,7 +6204,7 @@
         </p:nvSpPr>
         <p:spPr>
           <a:xfrm>
-            <a:off x="7082528" y="2676310"/>
+            <a:off x="7265408" y="2882050"/>
             <a:ext cx="400448" cy="239016"/>
           </a:xfrm>
           <a:prstGeom prst="roundRect">
@@ -6238,7 +6282,7 @@
         </p:nvCxnSpPr>
         <p:spPr>
           <a:xfrm>
-            <a:off x="7111938" y="2509955"/>
+            <a:off x="7294818" y="2715695"/>
             <a:ext cx="58309" cy="165862"/>
           </a:xfrm>
           <a:prstGeom prst="line">
@@ -6283,7 +6327,7 @@
         </p:nvSpPr>
         <p:spPr>
           <a:xfrm>
-            <a:off x="7082528" y="3653394"/>
+            <a:off x="7265408" y="3859134"/>
             <a:ext cx="400448" cy="239016"/>
           </a:xfrm>
           <a:prstGeom prst="roundRect">
@@ -6361,7 +6405,7 @@
         </p:nvCxnSpPr>
         <p:spPr>
           <a:xfrm>
-            <a:off x="7111938" y="3487039"/>
+            <a:off x="7294818" y="3692779"/>
             <a:ext cx="58309" cy="165862"/>
           </a:xfrm>
           <a:prstGeom prst="line">
@@ -6408,7 +6452,7 @@
         </p:nvCxnSpPr>
         <p:spPr>
           <a:xfrm>
-            <a:off x="6893522" y="3489768"/>
+            <a:off x="7152602" y="3695508"/>
             <a:ext cx="0" cy="433201"/>
           </a:xfrm>
           <a:prstGeom prst="line">
@@ -6452,8 +6496,8 @@
         </p:nvCxnSpPr>
         <p:spPr>
           <a:xfrm>
-            <a:off x="1952124" y="3922969"/>
-            <a:ext cx="4948486" cy="0"/>
+            <a:off x="1952124" y="4128709"/>
+            <a:ext cx="5200478" cy="0"/>
           </a:xfrm>
           <a:prstGeom prst="line">
             <a:avLst/>
@@ -6495,7 +6539,7 @@
         </p:nvCxnSpPr>
         <p:spPr>
           <a:xfrm flipV="1">
-            <a:off x="1956407" y="3922970"/>
+            <a:off x="1956407" y="4128710"/>
             <a:ext cx="0" cy="843417"/>
           </a:xfrm>
           <a:prstGeom prst="line">
@@ -6538,7 +6582,7 @@
         </p:nvCxnSpPr>
         <p:spPr>
           <a:xfrm flipH="1">
-            <a:off x="1955521" y="4766387"/>
+            <a:off x="1955521" y="4972127"/>
             <a:ext cx="224080" cy="0"/>
           </a:xfrm>
           <a:prstGeom prst="line">
@@ -6581,7 +6625,7 @@
         </p:nvCxnSpPr>
         <p:spPr>
           <a:xfrm>
-            <a:off x="2914360" y="4766387"/>
+            <a:off x="2914360" y="4972127"/>
             <a:ext cx="1047824" cy="0"/>
           </a:xfrm>
           <a:prstGeom prst="line">
@@ -6622,7 +6666,7 @@
         </p:nvSpPr>
         <p:spPr>
           <a:xfrm>
-            <a:off x="2916225" y="4530071"/>
+            <a:off x="2916225" y="4735811"/>
             <a:ext cx="988035" cy="230832"/>
           </a:xfrm>
           <a:prstGeom prst="rect">
@@ -6664,7 +6708,7 @@
         </p:nvSpPr>
         <p:spPr>
           <a:xfrm>
-            <a:off x="3320879" y="4922985"/>
+            <a:off x="3320879" y="5128725"/>
             <a:ext cx="400448" cy="239016"/>
           </a:xfrm>
           <a:prstGeom prst="roundRect">
@@ -6742,7 +6786,7 @@
         </p:nvCxnSpPr>
         <p:spPr>
           <a:xfrm>
-            <a:off x="3350289" y="4756630"/>
+            <a:off x="3350289" y="4962370"/>
             <a:ext cx="58309" cy="165862"/>
           </a:xfrm>
           <a:prstGeom prst="line">
@@ -6787,7 +6831,7 @@
         </p:nvSpPr>
         <p:spPr>
           <a:xfrm flipH="1">
-            <a:off x="202598" y="5307808"/>
+            <a:off x="202598" y="5513548"/>
             <a:ext cx="234086" cy="109728"/>
           </a:xfrm>
           <a:prstGeom prst="homePlate">
@@ -7107,8 +7151,8 @@
         </p:nvCxnSpPr>
         <p:spPr>
           <a:xfrm flipV="1">
-            <a:off x="8003280" y="2512785"/>
-            <a:ext cx="0" cy="7621924"/>
+            <a:off x="8003280" y="2719922"/>
+            <a:ext cx="0" cy="7414787"/>
           </a:xfrm>
           <a:prstGeom prst="line">
             <a:avLst/>
@@ -7428,7 +7472,7 @@
         </p:nvCxnSpPr>
         <p:spPr>
           <a:xfrm>
-            <a:off x="436684" y="5362672"/>
+            <a:off x="436684" y="5568412"/>
             <a:ext cx="3525500" cy="0"/>
           </a:xfrm>
           <a:prstGeom prst="line">
@@ -7471,51 +7515,8 @@
         </p:nvCxnSpPr>
         <p:spPr>
           <a:xfrm flipV="1">
-            <a:off x="3962184" y="4756630"/>
+            <a:off x="3962184" y="4962370"/>
             <a:ext cx="0" cy="604295"/>
-          </a:xfrm>
-          <a:prstGeom prst="line">
-            <a:avLst/>
-          </a:prstGeom>
-          <a:ln w="19050">
-            <a:solidFill>
-              <a:schemeClr val="tx1"/>
-            </a:solidFill>
-          </a:ln>
-        </p:spPr>
-        <p:style>
-          <a:lnRef idx="1">
-            <a:schemeClr val="accent1"/>
-          </a:lnRef>
-          <a:fillRef idx="0">
-            <a:schemeClr val="accent1"/>
-          </a:fillRef>
-          <a:effectRef idx="0">
-            <a:schemeClr val="accent1"/>
-          </a:effectRef>
-          <a:fontRef idx="minor">
-            <a:schemeClr val="tx1"/>
-          </a:fontRef>
-        </p:style>
-      </p:cxnSp>
-      <p:cxnSp>
-        <p:nvCxnSpPr>
-          <p:cNvPr id="227" name="直線コネクタ 226">
-            <a:extLst>
-              <a:ext uri="{FF2B5EF4-FFF2-40B4-BE49-F238E27FC236}">
-                <a16:creationId xmlns:a16="http://schemas.microsoft.com/office/drawing/2014/main" id="{0F0070C6-F6C3-4F0A-B7CF-BE18BD1EBFFB}"/>
-              </a:ext>
-            </a:extLst>
-          </p:cNvPr>
-          <p:cNvCxnSpPr>
-            <a:cxnSpLocks/>
-          </p:cNvCxnSpPr>
-          <p:nvPr/>
-        </p:nvCxnSpPr>
-        <p:spPr>
-          <a:xfrm flipV="1">
-            <a:off x="8315744" y="3487039"/>
-            <a:ext cx="0" cy="5124510"/>
           </a:xfrm>
           <a:prstGeom prst="line">
             <a:avLst/>
@@ -7557,8 +7558,8 @@
         </p:nvCxnSpPr>
         <p:spPr>
           <a:xfrm flipV="1">
-            <a:off x="7735354" y="1577748"/>
-            <a:ext cx="0" cy="5565105"/>
+            <a:off x="7735354" y="1773141"/>
+            <a:ext cx="0" cy="5369712"/>
           </a:xfrm>
           <a:prstGeom prst="line">
             <a:avLst/>
@@ -7717,50 +7718,6 @@
       </p:cxnSp>
       <p:cxnSp>
         <p:nvCxnSpPr>
-          <p:cNvPr id="268" name="直線コネクタ 267">
-            <a:extLst>
-              <a:ext uri="{FF2B5EF4-FFF2-40B4-BE49-F238E27FC236}">
-                <a16:creationId xmlns:a16="http://schemas.microsoft.com/office/drawing/2014/main" id="{F90F2DC9-DBCD-47F3-9298-B5E3062BF4A5}"/>
-              </a:ext>
-            </a:extLst>
-          </p:cNvPr>
-          <p:cNvCxnSpPr>
-            <a:cxnSpLocks/>
-          </p:cNvCxnSpPr>
-          <p:nvPr/>
-        </p:nvCxnSpPr>
-        <p:spPr>
-          <a:xfrm>
-            <a:off x="8315744" y="3698400"/>
-            <a:ext cx="716948" cy="0"/>
-          </a:xfrm>
-          <a:prstGeom prst="line">
-            <a:avLst/>
-          </a:prstGeom>
-          <a:ln w="19050">
-            <a:solidFill>
-              <a:schemeClr val="tx1"/>
-            </a:solidFill>
-            <a:headEnd type="diamond"/>
-          </a:ln>
-        </p:spPr>
-        <p:style>
-          <a:lnRef idx="1">
-            <a:schemeClr val="accent1"/>
-          </a:lnRef>
-          <a:fillRef idx="0">
-            <a:schemeClr val="accent1"/>
-          </a:fillRef>
-          <a:effectRef idx="0">
-            <a:schemeClr val="accent1"/>
-          </a:effectRef>
-          <a:fontRef idx="minor">
-            <a:schemeClr val="tx1"/>
-          </a:fontRef>
-        </p:style>
-      </p:cxnSp>
-      <p:cxnSp>
-        <p:nvCxnSpPr>
           <p:cNvPr id="270" name="直線コネクタ 269">
             <a:extLst>
               <a:ext uri="{FF2B5EF4-FFF2-40B4-BE49-F238E27FC236}">
@@ -8385,7 +8342,7 @@
         </p:nvSpPr>
         <p:spPr>
           <a:xfrm>
-            <a:off x="93036" y="5079998"/>
+            <a:off x="93036" y="5285738"/>
             <a:ext cx="1079752" cy="230832"/>
           </a:xfrm>
           <a:prstGeom prst="rect">
@@ -8427,7 +8384,7 @@
         </p:nvSpPr>
         <p:spPr>
           <a:xfrm>
-            <a:off x="212555" y="5422106"/>
+            <a:off x="212555" y="5627846"/>
             <a:ext cx="1033420" cy="215444"/>
           </a:xfrm>
           <a:prstGeom prst="rect">
@@ -8745,7 +8702,7 @@
         </p:nvSpPr>
         <p:spPr>
           <a:xfrm>
-            <a:off x="2160461" y="4517726"/>
+            <a:off x="2160461" y="4723466"/>
             <a:ext cx="746150" cy="497323"/>
           </a:xfrm>
           <a:prstGeom prst="rect">
@@ -10394,6 +10351,545 @@
           </a:p>
         </p:txBody>
       </p:sp>
+      <p:cxnSp>
+        <p:nvCxnSpPr>
+          <p:cNvPr id="3" name="直線矢印コネクタ 2">
+            <a:extLst>
+              <a:ext uri="{FF2B5EF4-FFF2-40B4-BE49-F238E27FC236}">
+                <a16:creationId xmlns:a16="http://schemas.microsoft.com/office/drawing/2014/main" id="{D2126523-67E4-06AC-9CDD-1123D236F284}"/>
+              </a:ext>
+            </a:extLst>
+          </p:cNvPr>
+          <p:cNvCxnSpPr>
+            <a:cxnSpLocks/>
+          </p:cNvCxnSpPr>
+          <p:nvPr/>
+        </p:nvCxnSpPr>
+        <p:spPr>
+          <a:xfrm>
+            <a:off x="4871115" y="1917060"/>
+            <a:ext cx="835697" cy="0"/>
+          </a:xfrm>
+          <a:prstGeom prst="straightConnector1">
+            <a:avLst/>
+          </a:prstGeom>
+          <a:ln w="19050">
+            <a:solidFill>
+              <a:schemeClr val="tx1"/>
+            </a:solidFill>
+            <a:tailEnd type="triangle"/>
+          </a:ln>
+        </p:spPr>
+        <p:style>
+          <a:lnRef idx="1">
+            <a:schemeClr val="accent1"/>
+          </a:lnRef>
+          <a:fillRef idx="0">
+            <a:schemeClr val="accent1"/>
+          </a:fillRef>
+          <a:effectRef idx="0">
+            <a:schemeClr val="accent1"/>
+          </a:effectRef>
+          <a:fontRef idx="minor">
+            <a:schemeClr val="tx1"/>
+          </a:fontRef>
+        </p:style>
+      </p:cxnSp>
+      <p:sp>
+        <p:nvSpPr>
+          <p:cNvPr id="5" name="テキスト ボックス 4">
+            <a:extLst>
+              <a:ext uri="{FF2B5EF4-FFF2-40B4-BE49-F238E27FC236}">
+                <a16:creationId xmlns:a16="http://schemas.microsoft.com/office/drawing/2014/main" id="{D266D34E-354A-6CA9-30DC-BFEBBE552125}"/>
+              </a:ext>
+            </a:extLst>
+          </p:cNvPr>
+          <p:cNvSpPr txBox="1"/>
+          <p:nvPr/>
+        </p:nvSpPr>
+        <p:spPr>
+          <a:xfrm>
+            <a:off x="5301694" y="1947307"/>
+            <a:ext cx="375795" cy="138492"/>
+          </a:xfrm>
+          <a:prstGeom prst="rect">
+            <a:avLst/>
+          </a:prstGeom>
+          <a:noFill/>
+        </p:spPr>
+        <p:txBody>
+          <a:bodyPr wrap="square" lIns="0" tIns="0" rIns="0" bIns="0" rtlCol="0">
+            <a:spAutoFit/>
+          </a:bodyPr>
+          <a:lstStyle/>
+          <a:p>
+            <a:r>
+              <a:rPr kumimoji="1" lang="en-US" altLang="ja-JP" sz="900" dirty="0">
+                <a:latin typeface="Meiryo UI" panose="020B0604030504040204" pitchFamily="50" charset="-128"/>
+                <a:ea typeface="Meiryo UI" panose="020B0604030504040204" pitchFamily="50" charset="-128"/>
+              </a:rPr>
+              <a:t>Enable</a:t>
+            </a:r>
+            <a:endParaRPr kumimoji="1" lang="ja-JP" altLang="en-US" sz="900" dirty="0">
+              <a:latin typeface="Meiryo UI" panose="020B0604030504040204" pitchFamily="50" charset="-128"/>
+              <a:ea typeface="Meiryo UI" panose="020B0604030504040204" pitchFamily="50" charset="-128"/>
+            </a:endParaRPr>
+          </a:p>
+        </p:txBody>
+      </p:sp>
+      <p:cxnSp>
+        <p:nvCxnSpPr>
+          <p:cNvPr id="12" name="直線コネクタ 11">
+            <a:extLst>
+              <a:ext uri="{FF2B5EF4-FFF2-40B4-BE49-F238E27FC236}">
+                <a16:creationId xmlns:a16="http://schemas.microsoft.com/office/drawing/2014/main" id="{F49DCC70-D76C-10C9-A39A-F6A16ADD63DB}"/>
+              </a:ext>
+            </a:extLst>
+          </p:cNvPr>
+          <p:cNvCxnSpPr>
+            <a:cxnSpLocks/>
+          </p:cNvCxnSpPr>
+          <p:nvPr/>
+        </p:nvCxnSpPr>
+        <p:spPr>
+          <a:xfrm flipV="1">
+            <a:off x="4871115" y="1917060"/>
+            <a:ext cx="0" cy="571546"/>
+          </a:xfrm>
+          <a:prstGeom prst="line">
+            <a:avLst/>
+          </a:prstGeom>
+          <a:ln w="19050">
+            <a:solidFill>
+              <a:schemeClr val="tx1"/>
+            </a:solidFill>
+          </a:ln>
+        </p:spPr>
+        <p:style>
+          <a:lnRef idx="1">
+            <a:schemeClr val="accent1"/>
+          </a:lnRef>
+          <a:fillRef idx="0">
+            <a:schemeClr val="accent1"/>
+          </a:fillRef>
+          <a:effectRef idx="0">
+            <a:schemeClr val="accent1"/>
+          </a:effectRef>
+          <a:fontRef idx="minor">
+            <a:schemeClr val="tx1"/>
+          </a:fontRef>
+        </p:style>
+      </p:cxnSp>
+      <p:cxnSp>
+        <p:nvCxnSpPr>
+          <p:cNvPr id="16" name="直線コネクタ 15">
+            <a:extLst>
+              <a:ext uri="{FF2B5EF4-FFF2-40B4-BE49-F238E27FC236}">
+                <a16:creationId xmlns:a16="http://schemas.microsoft.com/office/drawing/2014/main" id="{59FF84F3-A86F-6F1D-58BC-EB5547EC7324}"/>
+              </a:ext>
+            </a:extLst>
+          </p:cNvPr>
+          <p:cNvCxnSpPr>
+            <a:cxnSpLocks/>
+          </p:cNvCxnSpPr>
+          <p:nvPr/>
+        </p:nvCxnSpPr>
+        <p:spPr>
+          <a:xfrm flipH="1">
+            <a:off x="3634740" y="2488606"/>
+            <a:ext cx="1236375" cy="0"/>
+          </a:xfrm>
+          <a:prstGeom prst="line">
+            <a:avLst/>
+          </a:prstGeom>
+          <a:ln w="19050">
+            <a:solidFill>
+              <a:schemeClr val="tx1"/>
+            </a:solidFill>
+          </a:ln>
+        </p:spPr>
+        <p:style>
+          <a:lnRef idx="1">
+            <a:schemeClr val="accent1"/>
+          </a:lnRef>
+          <a:fillRef idx="0">
+            <a:schemeClr val="accent1"/>
+          </a:fillRef>
+          <a:effectRef idx="0">
+            <a:schemeClr val="accent1"/>
+          </a:effectRef>
+          <a:fontRef idx="minor">
+            <a:schemeClr val="tx1"/>
+          </a:fontRef>
+        </p:style>
+      </p:cxnSp>
+      <p:sp>
+        <p:nvSpPr>
+          <p:cNvPr id="18" name="テキスト ボックス 17">
+            <a:extLst>
+              <a:ext uri="{FF2B5EF4-FFF2-40B4-BE49-F238E27FC236}">
+                <a16:creationId xmlns:a16="http://schemas.microsoft.com/office/drawing/2014/main" id="{54495438-59DC-EB64-BDDB-75FA1A6C2E51}"/>
+              </a:ext>
+            </a:extLst>
+          </p:cNvPr>
+          <p:cNvSpPr txBox="1"/>
+          <p:nvPr/>
+        </p:nvSpPr>
+        <p:spPr>
+          <a:xfrm>
+            <a:off x="2524844" y="2318347"/>
+            <a:ext cx="1230631" cy="369332"/>
+          </a:xfrm>
+          <a:prstGeom prst="rect">
+            <a:avLst/>
+          </a:prstGeom>
+          <a:noFill/>
+        </p:spPr>
+        <p:txBody>
+          <a:bodyPr wrap="square" rtlCol="0">
+            <a:spAutoFit/>
+          </a:bodyPr>
+          <a:lstStyle/>
+          <a:p>
+            <a:r>
+              <a:rPr kumimoji="1" lang="en-US" altLang="ja-JP" sz="900" b="1" dirty="0">
+                <a:latin typeface="Meiryo UI" panose="020B0604030504040204" pitchFamily="50" charset="-128"/>
+                <a:ea typeface="Meiryo UI" panose="020B0604030504040204" pitchFamily="50" charset="-128"/>
+              </a:rPr>
+              <a:t>FPGA_PWR_EN</a:t>
+            </a:r>
+          </a:p>
+          <a:p>
+            <a:r>
+              <a:rPr kumimoji="1" lang="en-US" altLang="ja-JP" sz="900" dirty="0">
+                <a:latin typeface="Meiryo UI" panose="020B0604030504040204" pitchFamily="50" charset="-128"/>
+                <a:ea typeface="Meiryo UI" panose="020B0604030504040204" pitchFamily="50" charset="-128"/>
+              </a:rPr>
+              <a:t>Control by TRCH </a:t>
+            </a:r>
+            <a:endParaRPr kumimoji="1" lang="ja-JP" altLang="en-US" sz="900" dirty="0">
+              <a:latin typeface="Meiryo UI" panose="020B0604030504040204" pitchFamily="50" charset="-128"/>
+              <a:ea typeface="Meiryo UI" panose="020B0604030504040204" pitchFamily="50" charset="-128"/>
+            </a:endParaRPr>
+          </a:p>
+        </p:txBody>
+      </p:sp>
+      <p:sp>
+        <p:nvSpPr>
+          <p:cNvPr id="31" name="テキスト ボックス 30">
+            <a:extLst>
+              <a:ext uri="{FF2B5EF4-FFF2-40B4-BE49-F238E27FC236}">
+                <a16:creationId xmlns:a16="http://schemas.microsoft.com/office/drawing/2014/main" id="{43D5F6B5-0425-0337-EFB6-D865056A0A5B}"/>
+              </a:ext>
+            </a:extLst>
+          </p:cNvPr>
+          <p:cNvSpPr txBox="1"/>
+          <p:nvPr/>
+        </p:nvSpPr>
+        <p:spPr>
+          <a:xfrm>
+            <a:off x="3904260" y="301979"/>
+            <a:ext cx="1170668" cy="230832"/>
+          </a:xfrm>
+          <a:prstGeom prst="rect">
+            <a:avLst/>
+          </a:prstGeom>
+          <a:noFill/>
+        </p:spPr>
+        <p:txBody>
+          <a:bodyPr wrap="square" rtlCol="0">
+            <a:spAutoFit/>
+          </a:bodyPr>
+          <a:lstStyle/>
+          <a:p>
+            <a:r>
+              <a:rPr kumimoji="1" lang="en-US" altLang="ja-JP" sz="900" dirty="0">
+                <a:latin typeface="Meiryo UI" panose="020B0604030504040204" pitchFamily="50" charset="-128"/>
+                <a:ea typeface="Meiryo UI" panose="020B0604030504040204" pitchFamily="50" charset="-128"/>
+              </a:rPr>
+              <a:t>VDD_3V3_SYS_A</a:t>
+            </a:r>
+            <a:endParaRPr kumimoji="1" lang="ja-JP" altLang="en-US" sz="900" dirty="0">
+              <a:latin typeface="Meiryo UI" panose="020B0604030504040204" pitchFamily="50" charset="-128"/>
+              <a:ea typeface="Meiryo UI" panose="020B0604030504040204" pitchFamily="50" charset="-128"/>
+            </a:endParaRPr>
+          </a:p>
+        </p:txBody>
+      </p:sp>
+      <p:sp>
+        <p:nvSpPr>
+          <p:cNvPr id="224" name="テキスト ボックス 223">
+            <a:extLst>
+              <a:ext uri="{FF2B5EF4-FFF2-40B4-BE49-F238E27FC236}">
+                <a16:creationId xmlns:a16="http://schemas.microsoft.com/office/drawing/2014/main" id="{01F402DC-324C-BC5B-7F48-04D941502B8B}"/>
+              </a:ext>
+            </a:extLst>
+          </p:cNvPr>
+          <p:cNvSpPr txBox="1"/>
+          <p:nvPr/>
+        </p:nvSpPr>
+        <p:spPr>
+          <a:xfrm>
+            <a:off x="3840698" y="1254305"/>
+            <a:ext cx="1170668" cy="230832"/>
+          </a:xfrm>
+          <a:prstGeom prst="rect">
+            <a:avLst/>
+          </a:prstGeom>
+          <a:noFill/>
+        </p:spPr>
+        <p:txBody>
+          <a:bodyPr wrap="square" rtlCol="0">
+            <a:spAutoFit/>
+          </a:bodyPr>
+          <a:lstStyle/>
+          <a:p>
+            <a:r>
+              <a:rPr kumimoji="1" lang="en-US" altLang="ja-JP" sz="900" dirty="0">
+                <a:latin typeface="Meiryo UI" panose="020B0604030504040204" pitchFamily="50" charset="-128"/>
+                <a:ea typeface="Meiryo UI" panose="020B0604030504040204" pitchFamily="50" charset="-128"/>
+              </a:rPr>
+              <a:t>VDD_3V3_SYS_B</a:t>
+            </a:r>
+            <a:endParaRPr kumimoji="1" lang="ja-JP" altLang="en-US" sz="900" dirty="0">
+              <a:latin typeface="Meiryo UI" panose="020B0604030504040204" pitchFamily="50" charset="-128"/>
+              <a:ea typeface="Meiryo UI" panose="020B0604030504040204" pitchFamily="50" charset="-128"/>
+            </a:endParaRPr>
+          </a:p>
+        </p:txBody>
+      </p:sp>
+      <p:sp>
+        <p:nvSpPr>
+          <p:cNvPr id="232" name="矢印: 五方向 231">
+            <a:extLst>
+              <a:ext uri="{FF2B5EF4-FFF2-40B4-BE49-F238E27FC236}">
+                <a16:creationId xmlns:a16="http://schemas.microsoft.com/office/drawing/2014/main" id="{F0038C5A-F045-70B7-6A8D-C3D4EDC6A972}"/>
+              </a:ext>
+            </a:extLst>
+          </p:cNvPr>
+          <p:cNvSpPr/>
+          <p:nvPr/>
+        </p:nvSpPr>
+        <p:spPr>
+          <a:xfrm flipH="1">
+            <a:off x="202834" y="3753619"/>
+            <a:ext cx="234086" cy="109728"/>
+          </a:xfrm>
+          <a:prstGeom prst="homePlate">
+            <a:avLst/>
+          </a:prstGeom>
+          <a:solidFill>
+            <a:schemeClr val="bg1"/>
+          </a:solidFill>
+          <a:ln>
+            <a:solidFill>
+              <a:schemeClr val="tx1"/>
+            </a:solidFill>
+          </a:ln>
+        </p:spPr>
+        <p:style>
+          <a:lnRef idx="2">
+            <a:schemeClr val="accent1">
+              <a:shade val="50000"/>
+            </a:schemeClr>
+          </a:lnRef>
+          <a:fillRef idx="1">
+            <a:schemeClr val="accent1"/>
+          </a:fillRef>
+          <a:effectRef idx="0">
+            <a:schemeClr val="accent1"/>
+          </a:effectRef>
+          <a:fontRef idx="minor">
+            <a:schemeClr val="lt1"/>
+          </a:fontRef>
+        </p:style>
+        <p:txBody>
+          <a:bodyPr rtlCol="0" anchor="ctr"/>
+          <a:lstStyle/>
+          <a:p>
+            <a:pPr algn="ctr"/>
+            <a:endParaRPr kumimoji="1" lang="ja-JP" altLang="en-US"/>
+          </a:p>
+        </p:txBody>
+      </p:sp>
+      <p:cxnSp>
+        <p:nvCxnSpPr>
+          <p:cNvPr id="233" name="直線コネクタ 232">
+            <a:extLst>
+              <a:ext uri="{FF2B5EF4-FFF2-40B4-BE49-F238E27FC236}">
+                <a16:creationId xmlns:a16="http://schemas.microsoft.com/office/drawing/2014/main" id="{423A6BE2-327D-2ABD-A374-E6EC835A4FF4}"/>
+              </a:ext>
+            </a:extLst>
+          </p:cNvPr>
+          <p:cNvCxnSpPr>
+            <a:cxnSpLocks/>
+          </p:cNvCxnSpPr>
+          <p:nvPr/>
+        </p:nvCxnSpPr>
+        <p:spPr>
+          <a:xfrm>
+            <a:off x="436920" y="3808483"/>
+            <a:ext cx="4715850" cy="0"/>
+          </a:xfrm>
+          <a:prstGeom prst="line">
+            <a:avLst/>
+          </a:prstGeom>
+          <a:ln w="19050">
+            <a:solidFill>
+              <a:schemeClr val="tx1"/>
+            </a:solidFill>
+          </a:ln>
+        </p:spPr>
+        <p:style>
+          <a:lnRef idx="1">
+            <a:schemeClr val="accent1"/>
+          </a:lnRef>
+          <a:fillRef idx="0">
+            <a:schemeClr val="accent1"/>
+          </a:fillRef>
+          <a:effectRef idx="0">
+            <a:schemeClr val="accent1"/>
+          </a:effectRef>
+          <a:fontRef idx="minor">
+            <a:schemeClr val="tx1"/>
+          </a:fontRef>
+        </p:style>
+      </p:cxnSp>
+      <p:sp>
+        <p:nvSpPr>
+          <p:cNvPr id="234" name="テキスト ボックス 233">
+            <a:extLst>
+              <a:ext uri="{FF2B5EF4-FFF2-40B4-BE49-F238E27FC236}">
+                <a16:creationId xmlns:a16="http://schemas.microsoft.com/office/drawing/2014/main" id="{594B31C3-414C-9357-3AF0-453E84804DAC}"/>
+              </a:ext>
+            </a:extLst>
+          </p:cNvPr>
+          <p:cNvSpPr txBox="1"/>
+          <p:nvPr/>
+        </p:nvSpPr>
+        <p:spPr>
+          <a:xfrm>
+            <a:off x="93272" y="3525809"/>
+            <a:ext cx="1079752" cy="230832"/>
+          </a:xfrm>
+          <a:prstGeom prst="rect">
+            <a:avLst/>
+          </a:prstGeom>
+          <a:noFill/>
+        </p:spPr>
+        <p:txBody>
+          <a:bodyPr wrap="square" rtlCol="0">
+            <a:spAutoFit/>
+          </a:bodyPr>
+          <a:lstStyle/>
+          <a:p>
+            <a:r>
+              <a:rPr kumimoji="1" lang="en-US" altLang="ja-JP" sz="900" b="1" dirty="0">
+                <a:latin typeface="Meiryo UI" panose="020B0604030504040204" pitchFamily="50" charset="-128"/>
+                <a:ea typeface="Meiryo UI" panose="020B0604030504040204" pitchFamily="50" charset="-128"/>
+              </a:rPr>
+              <a:t>VDD_</a:t>
+            </a:r>
+            <a:r>
+              <a:rPr kumimoji="1" lang="en-US" altLang="ja-JP" sz="900" b="1">
+                <a:latin typeface="Meiryo UI" panose="020B0604030504040204" pitchFamily="50" charset="-128"/>
+                <a:ea typeface="Meiryo UI" panose="020B0604030504040204" pitchFamily="50" charset="-128"/>
+              </a:rPr>
+              <a:t>3V3_SYS</a:t>
+            </a:r>
+            <a:endParaRPr kumimoji="1" lang="ja-JP" altLang="en-US" sz="900" b="1" dirty="0">
+              <a:latin typeface="Meiryo UI" panose="020B0604030504040204" pitchFamily="50" charset="-128"/>
+              <a:ea typeface="Meiryo UI" panose="020B0604030504040204" pitchFamily="50" charset="-128"/>
+            </a:endParaRPr>
+          </a:p>
+        </p:txBody>
+      </p:sp>
+      <p:sp>
+        <p:nvSpPr>
+          <p:cNvPr id="235" name="テキスト ボックス 234">
+            <a:extLst>
+              <a:ext uri="{FF2B5EF4-FFF2-40B4-BE49-F238E27FC236}">
+                <a16:creationId xmlns:a16="http://schemas.microsoft.com/office/drawing/2014/main" id="{542A6520-AD69-F302-B525-7CAD1783CAA3}"/>
+              </a:ext>
+            </a:extLst>
+          </p:cNvPr>
+          <p:cNvSpPr txBox="1"/>
+          <p:nvPr/>
+        </p:nvSpPr>
+        <p:spPr>
+          <a:xfrm>
+            <a:off x="212791" y="3867917"/>
+            <a:ext cx="1033420" cy="215444"/>
+          </a:xfrm>
+          <a:prstGeom prst="rect">
+            <a:avLst/>
+          </a:prstGeom>
+          <a:noFill/>
+        </p:spPr>
+        <p:txBody>
+          <a:bodyPr wrap="square" lIns="0" rIns="0" rtlCol="0">
+            <a:spAutoFit/>
+          </a:bodyPr>
+          <a:lstStyle/>
+          <a:p>
+            <a:r>
+              <a:rPr kumimoji="1" lang="en-US" altLang="ja-JP" sz="800" b="1" dirty="0">
+                <a:latin typeface="Meiryo UI" panose="020B0604030504040204" pitchFamily="50" charset="-128"/>
+                <a:ea typeface="Meiryo UI" panose="020B0604030504040204" pitchFamily="50" charset="-128"/>
+              </a:rPr>
+              <a:t>CON1 32</a:t>
+            </a:r>
+            <a:endParaRPr kumimoji="1" lang="ja-JP" altLang="en-US" sz="800" b="1" dirty="0">
+              <a:latin typeface="Meiryo UI" panose="020B0604030504040204" pitchFamily="50" charset="-128"/>
+              <a:ea typeface="Meiryo UI" panose="020B0604030504040204" pitchFamily="50" charset="-128"/>
+            </a:endParaRPr>
+          </a:p>
+        </p:txBody>
+      </p:sp>
+      <p:cxnSp>
+        <p:nvCxnSpPr>
+          <p:cNvPr id="238" name="直線コネクタ 237">
+            <a:extLst>
+              <a:ext uri="{FF2B5EF4-FFF2-40B4-BE49-F238E27FC236}">
+                <a16:creationId xmlns:a16="http://schemas.microsoft.com/office/drawing/2014/main" id="{29084F4E-832E-A528-1285-B803062FFB48}"/>
+              </a:ext>
+            </a:extLst>
+          </p:cNvPr>
+          <p:cNvCxnSpPr>
+            <a:cxnSpLocks/>
+          </p:cNvCxnSpPr>
+          <p:nvPr/>
+        </p:nvCxnSpPr>
+        <p:spPr>
+          <a:xfrm>
+            <a:off x="5159959" y="3581636"/>
+            <a:ext cx="0" cy="224235"/>
+          </a:xfrm>
+          <a:prstGeom prst="line">
+            <a:avLst/>
+          </a:prstGeom>
+          <a:ln w="19050">
+            <a:solidFill>
+              <a:schemeClr val="tx1"/>
+            </a:solidFill>
+            <a:headEnd type="diamond"/>
+          </a:ln>
+        </p:spPr>
+        <p:style>
+          <a:lnRef idx="1">
+            <a:schemeClr val="accent1"/>
+          </a:lnRef>
+          <a:fillRef idx="0">
+            <a:schemeClr val="accent1"/>
+          </a:fillRef>
+          <a:effectRef idx="0">
+            <a:schemeClr val="accent1"/>
+          </a:effectRef>
+          <a:fontRef idx="minor">
+            <a:schemeClr val="tx1"/>
+          </a:fontRef>
+        </p:style>
+      </p:cxnSp>
     </p:spTree>
     <p:extLst>
       <p:ext uri="{BB962C8B-B14F-4D97-AF65-F5344CB8AC3E}">
